--- a/lect5-s3-thread-wait.pptx
+++ b/lect5-s3-thread-wait.pptx
@@ -296,7 +296,7 @@
           <a:p>
             <a:fld id="{1D8BD707-D9CF-40AE-B4C6-C98DA3205C09}" type="datetimeFigureOut">
               <a:rPr lang="en-US"/>
-              <a:t>10/2/2017</a:t>
+              <a:t>10/12/2017</a:t>
             </a:fld>
             <a:endParaRPr lang="en-US"/>
           </a:p>
@@ -503,7 +503,7 @@
           <a:p>
             <a:fld id="{1D8BD707-D9CF-40AE-B4C6-C98DA3205C09}" type="datetimeFigureOut">
               <a:rPr lang="en-US"/>
-              <a:t>10/2/2017</a:t>
+              <a:t>10/12/2017</a:t>
             </a:fld>
             <a:endParaRPr lang="en-US"/>
           </a:p>
@@ -747,7 +747,7 @@
           <a:p>
             <a:fld id="{1D8BD707-D9CF-40AE-B4C6-C98DA3205C09}" type="datetimeFigureOut">
               <a:rPr lang="en-US"/>
-              <a:t>10/2/2017</a:t>
+              <a:t>10/12/2017</a:t>
             </a:fld>
             <a:endParaRPr lang="en-US"/>
           </a:p>
@@ -925,7 +925,7 @@
           <a:p>
             <a:fld id="{1D8BD707-D9CF-40AE-B4C6-C98DA3205C09}" type="datetimeFigureOut">
               <a:rPr lang="en-US"/>
-              <a:t>10/2/2017</a:t>
+              <a:t>10/12/2017</a:t>
             </a:fld>
             <a:endParaRPr lang="en-US"/>
           </a:p>
@@ -1074,7 +1074,7 @@
           <a:p>
             <a:fld id="{1D8BD707-D9CF-40AE-B4C6-C98DA3205C09}" type="datetimeFigureOut">
               <a:rPr lang="en-US"/>
-              <a:t>10/2/2017</a:t>
+              <a:t>10/12/2017</a:t>
             </a:fld>
             <a:endParaRPr lang="en-US"/>
           </a:p>
@@ -1329,7 +1329,7 @@
           <a:p>
             <a:fld id="{1D8BD707-D9CF-40AE-B4C6-C98DA3205C09}" type="datetimeFigureOut">
               <a:rPr lang="en-US"/>
-              <a:t>10/2/2017</a:t>
+              <a:t>10/12/2017</a:t>
             </a:fld>
             <a:endParaRPr lang="en-US"/>
           </a:p>
@@ -1923,6 +1923,10 @@
           </p:nvPr>
         </p:nvSpPr>
         <p:spPr>
+          <a:xfrm>
+            <a:off x="344796" y="1463036"/>
+            <a:ext cx="8454406" cy="3901453"/>
+          </a:xfrm>
           <a:prstGeom prst="rect">
             <a:avLst/>
           </a:prstGeom>
@@ -1956,19 +1960,43 @@
             </a:r>
             <a:r>
               <a:rPr spc="-5" dirty="0"/>
-              <a:t>of object is not </a:t>
+              <a:t>of object is </a:t>
+            </a:r>
+            <a:r>
+              <a:rPr spc="-5" dirty="0">
+                <a:solidFill>
+                  <a:schemeClr val="accent2"/>
+                </a:solidFill>
+              </a:rPr>
+              <a:t>not </a:t>
+            </a:r>
+            <a:r>
+              <a:rPr dirty="0">
+                <a:solidFill>
+                  <a:schemeClr val="accent2"/>
+                </a:solidFill>
+              </a:rPr>
+              <a:t>changed </a:t>
+            </a:r>
+            <a:r>
+              <a:rPr spc="-5" dirty="0">
+                <a:solidFill>
+                  <a:schemeClr val="accent2"/>
+                </a:solidFill>
+              </a:rPr>
+              <a:t>after its </a:t>
+            </a:r>
+            <a:r>
+              <a:rPr dirty="0">
+                <a:solidFill>
+                  <a:schemeClr val="accent2"/>
+                </a:solidFill>
+              </a:rPr>
+              <a:t>creation</a:t>
             </a:r>
             <a:r>
               <a:rPr dirty="0"/>
-              <a:t>changed </a:t>
-            </a:r>
-            <a:r>
-              <a:rPr spc="-5" dirty="0"/>
-              <a:t>after its </a:t>
-            </a:r>
-            <a:r>
-              <a:rPr dirty="0"/>
-              <a:t>creation, </a:t>
+              <a:t>, </a:t>
             </a:r>
             <a:r>
               <a:rPr spc="-5" dirty="0"/>
@@ -1991,15 +2019,35 @@
             </a:r>
             <a:r>
               <a:rPr spc="-5" dirty="0"/>
-              <a:t>object (e.g., String</a:t>
-            </a:r>
-            <a:r>
-              <a:rPr spc="-30" dirty="0"/>
+              <a:t>object (e.g., </a:t>
+            </a:r>
+            <a:r>
+              <a:rPr spc="-5" dirty="0">
+                <a:solidFill>
+                  <a:schemeClr val="accent2"/>
+                </a:solidFill>
+              </a:rPr>
+              <a:t>String</a:t>
+            </a:r>
+            <a:r>
+              <a:rPr spc="-30" dirty="0">
+                <a:solidFill>
+                  <a:schemeClr val="accent2"/>
+                </a:solidFill>
+              </a:rPr>
               <a:t> </a:t>
             </a:r>
             <a:r>
+              <a:rPr spc="-5" dirty="0">
+                <a:solidFill>
+                  <a:schemeClr val="accent2"/>
+                </a:solidFill>
+              </a:rPr>
+              <a:t>object</a:t>
+            </a:r>
+            <a:r>
               <a:rPr spc="-5" dirty="0"/>
-              <a:t>object)</a:t>
+              <a:t>)</a:t>
             </a:r>
           </a:p>
           <a:p>
@@ -2013,7 +2061,7 @@
               <a:buFont typeface="Arial"/>
               <a:buChar char="•"/>
             </a:pPr>
-            <a:endParaRPr sz="2050">
+            <a:endParaRPr sz="2050" dirty="0">
               <a:latin typeface="Times New Roman"/>
               <a:cs typeface="Times New Roman"/>
             </a:endParaRPr>
@@ -2085,7 +2133,7 @@
               <a:buFont typeface="Arial"/>
               <a:buChar char="•"/>
             </a:pPr>
-            <a:endParaRPr sz="2050">
+            <a:endParaRPr sz="2050" dirty="0">
               <a:latin typeface="Times New Roman"/>
               <a:cs typeface="Times New Roman"/>
             </a:endParaRPr>
@@ -2125,7 +2173,7 @@
               <a:buFont typeface="Arial"/>
               <a:buChar char="•"/>
             </a:pPr>
-            <a:endParaRPr sz="2050">
+            <a:endParaRPr sz="2050" dirty="0">
               <a:latin typeface="Times New Roman"/>
               <a:cs typeface="Times New Roman"/>
             </a:endParaRPr>
@@ -2150,6 +2198,9 @@
             </a:r>
             <a:r>
               <a:rPr sz="1800" dirty="0">
+                <a:solidFill>
+                  <a:schemeClr val="accent2"/>
+                </a:solidFill>
                 <a:latin typeface="Arial"/>
                 <a:cs typeface="Arial"/>
               </a:rPr>
@@ -2157,6 +2208,9 @@
             </a:r>
             <a:r>
               <a:rPr sz="1800" spc="-5" dirty="0">
+                <a:solidFill>
+                  <a:schemeClr val="accent2"/>
+                </a:solidFill>
                 <a:latin typeface="Arial"/>
                 <a:cs typeface="Arial"/>
               </a:rPr>
@@ -2164,6 +2218,9 @@
             </a:r>
             <a:r>
               <a:rPr sz="1800" dirty="0">
+                <a:solidFill>
+                  <a:schemeClr val="accent2"/>
+                </a:solidFill>
                 <a:latin typeface="Arial"/>
                 <a:cs typeface="Arial"/>
               </a:rPr>
@@ -2171,6 +2228,9 @@
             </a:r>
             <a:r>
               <a:rPr sz="1800" spc="-5" dirty="0">
+                <a:solidFill>
+                  <a:schemeClr val="accent2"/>
+                </a:solidFill>
                 <a:latin typeface="Arial"/>
                 <a:cs typeface="Arial"/>
               </a:rPr>
@@ -2178,6 +2238,9 @@
             </a:r>
             <a:r>
               <a:rPr sz="1800" spc="-75" dirty="0">
+                <a:solidFill>
+                  <a:schemeClr val="accent2"/>
+                </a:solidFill>
                 <a:latin typeface="Arial"/>
                 <a:cs typeface="Arial"/>
               </a:rPr>
@@ -2185,12 +2248,18 @@
             </a:r>
             <a:r>
               <a:rPr sz="1800" spc="-5" dirty="0">
+                <a:solidFill>
+                  <a:schemeClr val="accent2"/>
+                </a:solidFill>
                 <a:latin typeface="Arial"/>
                 <a:cs typeface="Arial"/>
               </a:rPr>
               <a:t>methods</a:t>
             </a:r>
-            <a:endParaRPr sz="1800">
+            <a:endParaRPr sz="1800" dirty="0">
+              <a:solidFill>
+                <a:schemeClr val="accent2"/>
+              </a:solidFill>
               <a:latin typeface="Arial"/>
               <a:cs typeface="Arial"/>
             </a:endParaRPr>
@@ -2214,10 +2283,23 @@
                 <a:latin typeface="Arial"/>
                 <a:cs typeface="Arial"/>
               </a:rPr>
-              <a:t>Make all fields final and</a:t>
+              <a:t>Make </a:t>
+            </a:r>
+            <a:r>
+              <a:rPr sz="1800" spc="-5" dirty="0">
+                <a:solidFill>
+                  <a:schemeClr val="accent2"/>
+                </a:solidFill>
+                <a:latin typeface="Arial"/>
+                <a:cs typeface="Arial"/>
+              </a:rPr>
+              <a:t>all fields final and</a:t>
             </a:r>
             <a:r>
               <a:rPr sz="1800" spc="-15" dirty="0">
+                <a:solidFill>
+                  <a:schemeClr val="accent2"/>
+                </a:solidFill>
                 <a:latin typeface="Arial"/>
                 <a:cs typeface="Arial"/>
               </a:rPr>
@@ -2225,12 +2307,22 @@
             </a:r>
             <a:r>
               <a:rPr sz="1800" spc="-5" dirty="0">
-                <a:latin typeface="Arial"/>
-                <a:cs typeface="Arial"/>
-              </a:rPr>
-              <a:t>private.</a:t>
-            </a:r>
-            <a:endParaRPr sz="1800">
+                <a:solidFill>
+                  <a:schemeClr val="accent2"/>
+                </a:solidFill>
+                <a:latin typeface="Arial"/>
+                <a:cs typeface="Arial"/>
+              </a:rPr>
+              <a:t>private</a:t>
+            </a:r>
+            <a:r>
+              <a:rPr sz="1800" spc="-5" dirty="0">
+                <a:latin typeface="Arial"/>
+                <a:cs typeface="Arial"/>
+              </a:rPr>
+              <a:t>.</a:t>
+            </a:r>
+            <a:endParaRPr sz="1800" dirty="0">
               <a:latin typeface="Arial"/>
               <a:cs typeface="Arial"/>
             </a:endParaRPr>
@@ -2251,6 +2343,9 @@
             </a:pPr>
             <a:r>
               <a:rPr sz="1800" spc="-5" dirty="0">
+                <a:solidFill>
+                  <a:schemeClr val="accent2"/>
+                </a:solidFill>
                 <a:latin typeface="Arial"/>
                 <a:cs typeface="Arial"/>
               </a:rPr>
@@ -2258,6 +2353,9 @@
             </a:r>
             <a:r>
               <a:rPr sz="1800" dirty="0">
+                <a:solidFill>
+                  <a:schemeClr val="accent2"/>
+                </a:solidFill>
                 <a:latin typeface="Arial"/>
                 <a:cs typeface="Arial"/>
               </a:rPr>
@@ -2284,7 +2382,7 @@
               </a:rPr>
               <a:t>methods</a:t>
             </a:r>
-            <a:endParaRPr sz="1800">
+            <a:endParaRPr sz="1800" dirty="0">
               <a:latin typeface="Arial"/>
               <a:cs typeface="Arial"/>
             </a:endParaRPr>
@@ -2302,12 +2400,18 @@
             </a:pPr>
             <a:r>
               <a:rPr sz="1800" spc="-5" dirty="0">
+                <a:solidFill>
+                  <a:srgbClr val="FF0000"/>
+                </a:solidFill>
                 <a:latin typeface="Arial"/>
                 <a:cs typeface="Arial"/>
               </a:rPr>
               <a:t>Don't implement methods that modify fields or objects referred to by  fields.</a:t>
             </a:r>
-            <a:endParaRPr sz="1800">
+            <a:endParaRPr sz="1800" dirty="0">
+              <a:solidFill>
+                <a:srgbClr val="FF0000"/>
+              </a:solidFill>
               <a:latin typeface="Arial"/>
               <a:cs typeface="Arial"/>
             </a:endParaRPr>
@@ -2831,6 +2935,34 @@
           </a:p>
         </p:txBody>
       </p:sp>
+      <p:sp>
+        <p:nvSpPr>
+          <p:cNvPr id="7" name="Rectangle 6"/>
+          <p:cNvSpPr/>
+          <p:nvPr/>
+        </p:nvSpPr>
+        <p:spPr>
+          <a:xfrm>
+            <a:off x="448435" y="5784605"/>
+            <a:ext cx="4572000" cy="646331"/>
+          </a:xfrm>
+          <a:prstGeom prst="rect">
+            <a:avLst/>
+          </a:prstGeom>
+        </p:spPr>
+        <p:txBody>
+          <a:bodyPr>
+            <a:spAutoFit/>
+          </a:bodyPr>
+          <a:lstStyle/>
+          <a:p>
+            <a:r>
+              <a:rPr lang="ko-KR" altLang="en-US" dirty="0"/>
+              <a:t>https://www.youtube.com/watch?v=HFFdAm508m8</a:t>
+            </a:r>
+          </a:p>
+        </p:txBody>
+      </p:sp>
     </p:spTree>
   </p:cSld>
   <p:clrMapOvr>
@@ -3036,7 +3168,7 @@
               </a:rPr>
               <a:t>about:</a:t>
             </a:r>
-            <a:endParaRPr sz="2400">
+            <a:endParaRPr sz="2400" dirty="0">
               <a:latin typeface="Century Gothic"/>
               <a:cs typeface="Century Gothic"/>
             </a:endParaRPr>
@@ -3050,7 +3182,7 @@
                 <a:spcPts val="30"/>
               </a:spcBef>
             </a:pPr>
-            <a:endParaRPr sz="3300">
+            <a:endParaRPr sz="3300" dirty="0">
               <a:latin typeface="Times New Roman"/>
               <a:cs typeface="Times New Roman"/>
             </a:endParaRPr>
@@ -3096,7 +3228,7 @@
               </a:rPr>
               <a:t>Problems</a:t>
             </a:r>
-            <a:endParaRPr sz="2400">
+            <a:endParaRPr sz="2400" dirty="0">
               <a:latin typeface="Arial"/>
               <a:cs typeface="Arial"/>
             </a:endParaRPr>
@@ -3115,7 +3247,7 @@
               <a:buFont typeface="Arial"/>
               <a:buChar char="•"/>
             </a:pPr>
-            <a:endParaRPr sz="3350">
+            <a:endParaRPr sz="3350" dirty="0">
               <a:latin typeface="Times New Roman"/>
               <a:cs typeface="Times New Roman"/>
             </a:endParaRPr>
@@ -3161,7 +3293,7 @@
               </a:rPr>
               <a:t>Blocks</a:t>
             </a:r>
-            <a:endParaRPr sz="2400">
+            <a:endParaRPr sz="2400" dirty="0">
               <a:latin typeface="Arial"/>
               <a:cs typeface="Arial"/>
             </a:endParaRPr>
@@ -3180,7 +3312,7 @@
               <a:buFont typeface="Arial"/>
               <a:buChar char="•"/>
             </a:pPr>
-            <a:endParaRPr sz="3350">
+            <a:endParaRPr sz="3350" dirty="0">
               <a:latin typeface="Times New Roman"/>
               <a:cs typeface="Times New Roman"/>
             </a:endParaRPr>
@@ -3226,7 +3358,7 @@
               </a:rPr>
               <a:t>Objects</a:t>
             </a:r>
-            <a:endParaRPr sz="2400">
+            <a:endParaRPr sz="2400" dirty="0">
               <a:latin typeface="Arial"/>
               <a:cs typeface="Arial"/>
             </a:endParaRPr>
@@ -3245,7 +3377,7 @@
               <a:buFont typeface="Arial"/>
               <a:buChar char="•"/>
             </a:pPr>
-            <a:endParaRPr sz="3350">
+            <a:endParaRPr sz="3350" dirty="0">
               <a:latin typeface="Times New Roman"/>
               <a:cs typeface="Times New Roman"/>
             </a:endParaRPr>
@@ -3291,7 +3423,7 @@
               </a:rPr>
               <a:t>Concurrency</a:t>
             </a:r>
-            <a:endParaRPr sz="2400">
+            <a:endParaRPr sz="2400" dirty="0">
               <a:latin typeface="Arial"/>
               <a:cs typeface="Arial"/>
             </a:endParaRPr>
@@ -3415,7 +3547,7 @@
         <p:spPr>
           <a:xfrm>
             <a:off x="568333" y="1463036"/>
-            <a:ext cx="8249284" cy="4672330"/>
+            <a:ext cx="8249284" cy="4767972"/>
           </a:xfrm>
           <a:prstGeom prst="rect">
             <a:avLst/>
@@ -3475,7 +3607,7 @@
               </a:rPr>
               <a:t>together).</a:t>
             </a:r>
-            <a:endParaRPr sz="2000">
+            <a:endParaRPr sz="2000" dirty="0">
               <a:latin typeface="Arial"/>
               <a:cs typeface="Arial"/>
             </a:endParaRPr>
@@ -3491,7 +3623,7 @@
               <a:buFont typeface="Arial"/>
               <a:buChar char="•"/>
             </a:pPr>
-            <a:endParaRPr sz="2050">
+            <a:endParaRPr sz="2050" dirty="0">
               <a:latin typeface="Times New Roman"/>
               <a:cs typeface="Times New Roman"/>
             </a:endParaRPr>
@@ -3549,10 +3681,6 @@
               </a:rPr>
               <a:t>coordination.</a:t>
             </a:r>
-            <a:endParaRPr sz="2000">
-              <a:latin typeface="Arial"/>
-              <a:cs typeface="Arial"/>
-            </a:endParaRPr>
           </a:p>
           <a:p>
             <a:pPr>
@@ -3565,7 +3693,7 @@
               <a:buFont typeface="Arial"/>
               <a:buChar char="•"/>
             </a:pPr>
-            <a:endParaRPr sz="2050">
+            <a:endParaRPr sz="2050" dirty="0">
               <a:latin typeface="Times New Roman"/>
               <a:cs typeface="Times New Roman"/>
             </a:endParaRPr>
@@ -3586,7 +3714,24 @@
                 <a:latin typeface="Arial"/>
                 <a:cs typeface="Arial"/>
               </a:rPr>
-              <a:t>The guarded block uses three methods from </a:t>
+              <a:t>The guarded block </a:t>
+            </a:r>
+            <a:r>
+              <a:rPr sz="2000" spc="-5" dirty="0">
+                <a:solidFill>
+                  <a:schemeClr val="accent2"/>
+                </a:solidFill>
+                <a:latin typeface="Arial"/>
+                <a:cs typeface="Arial"/>
+              </a:rPr>
+              <a:t>uses three methods from</a:t>
+            </a:r>
+            <a:r>
+              <a:rPr sz="2000" spc="-5" dirty="0">
+                <a:latin typeface="Arial"/>
+                <a:cs typeface="Arial"/>
+              </a:rPr>
+              <a:t> </a:t>
             </a:r>
             <a:r>
               <a:rPr sz="2000" b="1" spc="-5" dirty="0">
@@ -3615,7 +3760,144 @@
               </a:rPr>
               <a:t>class:</a:t>
             </a:r>
-            <a:endParaRPr sz="2000">
+          </a:p>
+          <a:p>
+            <a:pPr>
+              <a:lnSpc>
+                <a:spcPct val="100000"/>
+              </a:lnSpc>
+              <a:spcBef>
+                <a:spcPts val="40"/>
+              </a:spcBef>
+            </a:pPr>
+            <a:endParaRPr sz="2050" dirty="0">
+              <a:latin typeface="Times New Roman"/>
+              <a:cs typeface="Times New Roman"/>
+            </a:endParaRPr>
+          </a:p>
+          <a:p>
+            <a:pPr marL="431165">
+              <a:lnSpc>
+                <a:spcPct val="100000"/>
+              </a:lnSpc>
+            </a:pPr>
+            <a:r>
+              <a:rPr sz="2000" b="1" spc="-5" dirty="0">
+                <a:solidFill>
+                  <a:srgbClr val="0000CC"/>
+                </a:solidFill>
+                <a:latin typeface="Consolas"/>
+                <a:cs typeface="Consolas"/>
+              </a:rPr>
+              <a:t>wait()</a:t>
+            </a:r>
+            <a:endParaRPr sz="2000" dirty="0">
+              <a:latin typeface="Consolas"/>
+              <a:cs typeface="Consolas"/>
+            </a:endParaRPr>
+          </a:p>
+          <a:p>
+            <a:pPr marL="431165" marR="5080">
+              <a:lnSpc>
+                <a:spcPts val="1950"/>
+              </a:lnSpc>
+              <a:spcBef>
+                <a:spcPts val="60"/>
+              </a:spcBef>
+            </a:pPr>
+            <a:r>
+              <a:rPr sz="1600" spc="-5" dirty="0">
+                <a:latin typeface="Arial"/>
+                <a:cs typeface="Arial"/>
+              </a:rPr>
+              <a:t>Causes the </a:t>
+            </a:r>
+            <a:r>
+              <a:rPr sz="1600" dirty="0">
+                <a:latin typeface="Arial"/>
+                <a:cs typeface="Arial"/>
+              </a:rPr>
+              <a:t>current </a:t>
+            </a:r>
+            <a:r>
+              <a:rPr sz="1600" spc="-5" dirty="0">
+                <a:latin typeface="Arial"/>
+                <a:cs typeface="Arial"/>
+              </a:rPr>
+              <a:t>thread to wait </a:t>
+            </a:r>
+            <a:r>
+              <a:rPr sz="1600" spc="-5" dirty="0">
+                <a:solidFill>
+                  <a:schemeClr val="accent2"/>
+                </a:solidFill>
+                <a:latin typeface="Arial"/>
+                <a:cs typeface="Arial"/>
+              </a:rPr>
+              <a:t>until</a:t>
+            </a:r>
+            <a:r>
+              <a:rPr sz="1600" spc="-5" dirty="0">
+                <a:latin typeface="Arial"/>
+                <a:cs typeface="Arial"/>
+              </a:rPr>
+              <a:t> another thread invokes the </a:t>
+            </a:r>
+            <a:r>
+              <a:rPr sz="1600" b="1" spc="-5" dirty="0">
+                <a:solidFill>
+                  <a:schemeClr val="accent2"/>
+                </a:solidFill>
+                <a:latin typeface="Consolas"/>
+                <a:cs typeface="Consolas"/>
+              </a:rPr>
+              <a:t>notify()</a:t>
+            </a:r>
+            <a:r>
+              <a:rPr sz="1600" b="1" spc="-405" dirty="0">
+                <a:solidFill>
+                  <a:schemeClr val="accent2"/>
+                </a:solidFill>
+                <a:latin typeface="Consolas"/>
+                <a:cs typeface="Consolas"/>
+              </a:rPr>
+              <a:t> </a:t>
+            </a:r>
+            <a:r>
+              <a:rPr sz="1600" spc="-5" dirty="0">
+                <a:latin typeface="Arial"/>
+                <a:cs typeface="Arial"/>
+              </a:rPr>
+              <a:t>method or  the </a:t>
+            </a:r>
+            <a:r>
+              <a:rPr sz="1600" b="1" spc="-5" dirty="0">
+                <a:solidFill>
+                  <a:schemeClr val="accent2"/>
+                </a:solidFill>
+                <a:latin typeface="Consolas"/>
+                <a:cs typeface="Consolas"/>
+              </a:rPr>
+              <a:t>notifyAll()</a:t>
+            </a:r>
+            <a:r>
+              <a:rPr sz="1600" b="1" spc="-430" dirty="0">
+                <a:solidFill>
+                  <a:schemeClr val="accent2"/>
+                </a:solidFill>
+                <a:latin typeface="Consolas"/>
+                <a:cs typeface="Consolas"/>
+              </a:rPr>
+              <a:t> </a:t>
+            </a:r>
+            <a:r>
+              <a:rPr sz="1600" spc="-5" dirty="0">
+                <a:latin typeface="Arial"/>
+                <a:cs typeface="Arial"/>
+              </a:rPr>
+              <a:t>method for this object.</a:t>
+            </a:r>
+            <a:endParaRPr sz="1600" dirty="0">
               <a:latin typeface="Arial"/>
               <a:cs typeface="Arial"/>
             </a:endParaRPr>
@@ -3629,7 +3911,7 @@
                 <a:spcPts val="40"/>
               </a:spcBef>
             </a:pPr>
-            <a:endParaRPr sz="2050">
+            <a:endParaRPr sz="2000" dirty="0">
               <a:latin typeface="Times New Roman"/>
               <a:cs typeface="Times New Roman"/>
             </a:endParaRPr>
@@ -3648,20 +3930,20 @@
                 <a:latin typeface="Consolas"/>
                 <a:cs typeface="Consolas"/>
               </a:rPr>
-              <a:t>wait()</a:t>
-            </a:r>
-            <a:endParaRPr sz="2000">
+              <a:t>notify()</a:t>
+            </a:r>
+            <a:endParaRPr sz="2000" dirty="0">
               <a:latin typeface="Consolas"/>
               <a:cs typeface="Consolas"/>
             </a:endParaRPr>
           </a:p>
           <a:p>
-            <a:pPr marL="431165" marR="5080">
-              <a:lnSpc>
-                <a:spcPts val="1950"/>
+            <a:pPr marL="431165">
+              <a:lnSpc>
+                <a:spcPct val="100000"/>
               </a:lnSpc>
               <a:spcBef>
-                <a:spcPts val="60"/>
+                <a:spcPts val="20"/>
               </a:spcBef>
             </a:pPr>
             <a:r>
@@ -3669,39 +3951,26 @@
                 <a:latin typeface="Arial"/>
                 <a:cs typeface="Arial"/>
               </a:rPr>
-              <a:t>Causes the </a:t>
+              <a:t>Wakes up </a:t>
             </a:r>
             <a:r>
               <a:rPr sz="1600" dirty="0">
                 <a:latin typeface="Arial"/>
                 <a:cs typeface="Arial"/>
               </a:rPr>
-              <a:t>current </a:t>
+              <a:t>a single </a:t>
             </a:r>
             <a:r>
               <a:rPr sz="1600" spc="-5" dirty="0">
                 <a:latin typeface="Arial"/>
                 <a:cs typeface="Arial"/>
               </a:rPr>
-              <a:t>thread to wait until another thread invokes the </a:t>
-            </a:r>
-            <a:r>
-              <a:rPr sz="1600" b="1" spc="-5" dirty="0">
-                <a:solidFill>
-                  <a:srgbClr val="0000CC"/>
-                </a:solidFill>
-                <a:latin typeface="Consolas"/>
-                <a:cs typeface="Consolas"/>
-              </a:rPr>
-              <a:t>notify()</a:t>
-            </a:r>
-            <a:r>
-              <a:rPr sz="1600" b="1" spc="-405" dirty="0">
-                <a:solidFill>
-                  <a:srgbClr val="0000CC"/>
-                </a:solidFill>
-                <a:latin typeface="Consolas"/>
-                <a:cs typeface="Consolas"/>
+              <a:t>thread that is waiting on this object's</a:t>
+            </a:r>
+            <a:r>
+              <a:rPr sz="1600" spc="-30" dirty="0">
+                <a:latin typeface="Arial"/>
+                <a:cs typeface="Arial"/>
               </a:rPr>
               <a:t> </a:t>
             </a:r>
@@ -3710,36 +3979,9 @@
                 <a:latin typeface="Arial"/>
                 <a:cs typeface="Arial"/>
               </a:rPr>
-              <a:t>method or  the </a:t>
-            </a:r>
-            <a:r>
-              <a:rPr sz="1600" b="1" spc="-5" dirty="0">
-                <a:solidFill>
-                  <a:srgbClr val="0000CC"/>
-                </a:solidFill>
-                <a:latin typeface="Consolas"/>
-                <a:cs typeface="Consolas"/>
-              </a:rPr>
-              <a:t>notifyAll()</a:t>
-            </a:r>
-            <a:r>
-              <a:rPr sz="1600" b="1" spc="-430" dirty="0">
-                <a:solidFill>
-                  <a:srgbClr val="0000CC"/>
-                </a:solidFill>
-                <a:latin typeface="Consolas"/>
-                <a:cs typeface="Consolas"/>
-              </a:rPr>
-              <a:t> </a:t>
-            </a:r>
-            <a:r>
-              <a:rPr sz="1600" spc="-5" dirty="0">
-                <a:latin typeface="Arial"/>
-                <a:cs typeface="Arial"/>
-              </a:rPr>
-              <a:t>method for this object.</a:t>
-            </a:r>
-            <a:endParaRPr sz="1600">
+              <a:t>monitor</a:t>
+            </a:r>
+            <a:endParaRPr sz="1600" dirty="0">
               <a:latin typeface="Arial"/>
               <a:cs typeface="Arial"/>
             </a:endParaRPr>
@@ -3750,10 +3992,10 @@
                 <a:spcPct val="100000"/>
               </a:lnSpc>
               <a:spcBef>
-                <a:spcPts val="40"/>
+                <a:spcPts val="55"/>
               </a:spcBef>
             </a:pPr>
-            <a:endParaRPr sz="2000">
+            <a:endParaRPr sz="2050" dirty="0">
               <a:latin typeface="Times New Roman"/>
               <a:cs typeface="Times New Roman"/>
             </a:endParaRPr>
@@ -3772,9 +4014,9 @@
                 <a:latin typeface="Consolas"/>
                 <a:cs typeface="Consolas"/>
               </a:rPr>
-              <a:t>notify()</a:t>
-            </a:r>
-            <a:endParaRPr sz="2000">
+              <a:t>notifyAll()</a:t>
+            </a:r>
+            <a:endParaRPr sz="2000" dirty="0">
               <a:latin typeface="Consolas"/>
               <a:cs typeface="Consolas"/>
             </a:endParaRPr>
@@ -3785,90 +4027,6 @@
                 <a:spcPct val="100000"/>
               </a:lnSpc>
               <a:spcBef>
-                <a:spcPts val="20"/>
-              </a:spcBef>
-            </a:pPr>
-            <a:r>
-              <a:rPr sz="1600" spc="-5" dirty="0">
-                <a:latin typeface="Arial"/>
-                <a:cs typeface="Arial"/>
-              </a:rPr>
-              <a:t>Wakes up </a:t>
-            </a:r>
-            <a:r>
-              <a:rPr sz="1600" dirty="0">
-                <a:latin typeface="Arial"/>
-                <a:cs typeface="Arial"/>
-              </a:rPr>
-              <a:t>a single </a:t>
-            </a:r>
-            <a:r>
-              <a:rPr sz="1600" spc="-5" dirty="0">
-                <a:latin typeface="Arial"/>
-                <a:cs typeface="Arial"/>
-              </a:rPr>
-              <a:t>thread that is waiting on this object's</a:t>
-            </a:r>
-            <a:r>
-              <a:rPr sz="1600" spc="-30" dirty="0">
-                <a:latin typeface="Arial"/>
-                <a:cs typeface="Arial"/>
-              </a:rPr>
-              <a:t> </a:t>
-            </a:r>
-            <a:r>
-              <a:rPr sz="1600" spc="-5" dirty="0">
-                <a:latin typeface="Arial"/>
-                <a:cs typeface="Arial"/>
-              </a:rPr>
-              <a:t>monitor</a:t>
-            </a:r>
-            <a:endParaRPr sz="1600">
-              <a:latin typeface="Arial"/>
-              <a:cs typeface="Arial"/>
-            </a:endParaRPr>
-          </a:p>
-          <a:p>
-            <a:pPr>
-              <a:lnSpc>
-                <a:spcPct val="100000"/>
-              </a:lnSpc>
-              <a:spcBef>
-                <a:spcPts val="55"/>
-              </a:spcBef>
-            </a:pPr>
-            <a:endParaRPr sz="2050">
-              <a:latin typeface="Times New Roman"/>
-              <a:cs typeface="Times New Roman"/>
-            </a:endParaRPr>
-          </a:p>
-          <a:p>
-            <a:pPr marL="431165">
-              <a:lnSpc>
-                <a:spcPct val="100000"/>
-              </a:lnSpc>
-            </a:pPr>
-            <a:r>
-              <a:rPr sz="2000" b="1" spc="-5" dirty="0">
-                <a:solidFill>
-                  <a:srgbClr val="0000CC"/>
-                </a:solidFill>
-                <a:latin typeface="Consolas"/>
-                <a:cs typeface="Consolas"/>
-              </a:rPr>
-              <a:t>notifyAll()</a:t>
-            </a:r>
-            <a:endParaRPr sz="2000">
-              <a:latin typeface="Consolas"/>
-              <a:cs typeface="Consolas"/>
-            </a:endParaRPr>
-          </a:p>
-          <a:p>
-            <a:pPr marL="431165">
-              <a:lnSpc>
-                <a:spcPct val="100000"/>
-              </a:lnSpc>
-              <a:spcBef>
                 <a:spcPts val="15"/>
               </a:spcBef>
             </a:pPr>
@@ -3893,7 +4051,7 @@
               </a:rPr>
               <a:t>monitor.</a:t>
             </a:r>
-            <a:endParaRPr sz="1600">
+            <a:endParaRPr sz="1600" dirty="0">
               <a:latin typeface="Arial"/>
               <a:cs typeface="Arial"/>
             </a:endParaRPr>
@@ -4315,7 +4473,7 @@
             <a:r>
               <a:rPr sz="2000" spc="-5" dirty="0">
                 <a:solidFill>
-                  <a:srgbClr val="FF0000"/>
+                  <a:schemeClr val="accent2"/>
                 </a:solidFill>
                 <a:latin typeface="Arial"/>
                 <a:cs typeface="Arial"/>
@@ -4325,7 +4483,7 @@
             <a:r>
               <a:rPr sz="2000" spc="-10" dirty="0">
                 <a:solidFill>
-                  <a:srgbClr val="FF0000"/>
+                  <a:schemeClr val="accent2"/>
                 </a:solidFill>
                 <a:latin typeface="Arial"/>
                 <a:cs typeface="Arial"/>
@@ -4335,17 +4493,21 @@
             <a:r>
               <a:rPr sz="2000" spc="-5" dirty="0">
                 <a:solidFill>
-                  <a:srgbClr val="FF0000"/>
-                </a:solidFill>
-                <a:latin typeface="Arial"/>
-                <a:cs typeface="Arial"/>
-              </a:rPr>
-              <a:t>note:</a:t>
+                  <a:schemeClr val="accent2"/>
+                </a:solidFill>
+                <a:latin typeface="Arial"/>
+                <a:cs typeface="Arial"/>
+              </a:rPr>
+              <a:t>note</a:t>
+            </a:r>
+            <a:r>
+              <a:rPr sz="2000" spc="-5" dirty="0">
+                <a:latin typeface="Arial"/>
+                <a:cs typeface="Arial"/>
+              </a:rPr>
+              <a:t>:</a:t>
             </a:r>
             <a:endParaRPr sz="2000" dirty="0">
-              <a:solidFill>
-                <a:srgbClr val="FF0000"/>
-              </a:solidFill>
               <a:latin typeface="Arial"/>
               <a:cs typeface="Arial"/>
             </a:endParaRPr>
@@ -4362,7 +4524,7 @@
             <a:r>
               <a:rPr sz="2000" spc="-5" dirty="0">
                 <a:solidFill>
-                  <a:srgbClr val="FF0000"/>
+                  <a:srgbClr val="0000CC"/>
                 </a:solidFill>
                 <a:latin typeface="Consolas"/>
                 <a:cs typeface="Consolas"/>
@@ -4372,7 +4534,7 @@
             <a:r>
               <a:rPr sz="2000" dirty="0">
                 <a:solidFill>
-                  <a:srgbClr val="FF0000"/>
+                  <a:srgbClr val="0000CC"/>
                 </a:solidFill>
                 <a:latin typeface="Consolas"/>
                 <a:cs typeface="Consolas"/>
@@ -4382,7 +4544,7 @@
             <a:r>
               <a:rPr sz="2000" spc="-5" dirty="0">
                 <a:solidFill>
-                  <a:srgbClr val="FF0000"/>
+                  <a:srgbClr val="0000CC"/>
                 </a:solidFill>
                 <a:latin typeface="Consolas"/>
                 <a:cs typeface="Consolas"/>
@@ -4392,7 +4554,7 @@
             <a:r>
               <a:rPr sz="2000" dirty="0">
                 <a:solidFill>
-                  <a:srgbClr val="FF0000"/>
+                  <a:srgbClr val="0000CC"/>
                 </a:solidFill>
                 <a:latin typeface="Consolas"/>
                 <a:cs typeface="Consolas"/>
@@ -4402,7 +4564,7 @@
             <a:r>
               <a:rPr sz="2000" spc="-5" dirty="0">
                 <a:solidFill>
-                  <a:srgbClr val="FF0000"/>
+                  <a:srgbClr val="0000CC"/>
                 </a:solidFill>
                 <a:latin typeface="Consolas"/>
                 <a:cs typeface="Consolas"/>
@@ -4412,7 +4574,7 @@
             <a:r>
               <a:rPr sz="2000" dirty="0">
                 <a:solidFill>
-                  <a:srgbClr val="FF0000"/>
+                  <a:srgbClr val="0000CC"/>
                 </a:solidFill>
                 <a:latin typeface="Consolas"/>
                 <a:cs typeface="Consolas"/>
@@ -4422,7 +4584,7 @@
             <a:r>
               <a:rPr sz="2000" spc="150" dirty="0">
                 <a:solidFill>
-                  <a:srgbClr val="FF0000"/>
+                  <a:srgbClr val="0000CC"/>
                 </a:solidFill>
                 <a:latin typeface="Consolas"/>
                 <a:cs typeface="Consolas"/>
@@ -4431,9 +4593,6 @@
             </a:r>
             <a:r>
               <a:rPr sz="2000" spc="-5" dirty="0">
-                <a:solidFill>
-                  <a:srgbClr val="FF0000"/>
-                </a:solidFill>
                 <a:latin typeface="Arial"/>
                 <a:cs typeface="Arial"/>
               </a:rPr>
@@ -4441,9 +4600,6 @@
             </a:r>
             <a:r>
               <a:rPr sz="2000" dirty="0">
-                <a:solidFill>
-                  <a:srgbClr val="FF0000"/>
-                </a:solidFill>
                 <a:latin typeface="Arial"/>
                 <a:cs typeface="Arial"/>
               </a:rPr>
@@ -4451,9 +4607,6 @@
             </a:r>
             <a:r>
               <a:rPr sz="2000" spc="-5" dirty="0">
-                <a:solidFill>
-                  <a:srgbClr val="FF0000"/>
-                </a:solidFill>
                 <a:latin typeface="Arial"/>
                 <a:cs typeface="Arial"/>
               </a:rPr>
@@ -4461,9 +4614,6 @@
             </a:r>
             <a:r>
               <a:rPr sz="2000" dirty="0">
-                <a:solidFill>
-                  <a:srgbClr val="FF0000"/>
-                </a:solidFill>
                 <a:latin typeface="Arial"/>
                 <a:cs typeface="Arial"/>
               </a:rPr>
@@ -4471,9 +4621,6 @@
             </a:r>
             <a:r>
               <a:rPr sz="2000" spc="-5" dirty="0">
-                <a:solidFill>
-                  <a:srgbClr val="FF0000"/>
-                </a:solidFill>
                 <a:latin typeface="Arial"/>
                 <a:cs typeface="Arial"/>
               </a:rPr>
@@ -4481,9 +4628,6 @@
             </a:r>
             <a:r>
               <a:rPr sz="2000" dirty="0">
-                <a:solidFill>
-                  <a:srgbClr val="FF0000"/>
-                </a:solidFill>
                 <a:latin typeface="Arial"/>
                 <a:cs typeface="Arial"/>
               </a:rPr>
@@ -4491,9 +4635,6 @@
             </a:r>
             <a:r>
               <a:rPr sz="2000" spc="-5" dirty="0">
-                <a:solidFill>
-                  <a:srgbClr val="FF0000"/>
-                </a:solidFill>
                 <a:latin typeface="Arial"/>
                 <a:cs typeface="Arial"/>
               </a:rPr>
@@ -4501,9 +4642,6 @@
             </a:r>
             <a:r>
               <a:rPr sz="2000" dirty="0">
-                <a:solidFill>
-                  <a:srgbClr val="FF0000"/>
-                </a:solidFill>
                 <a:latin typeface="Arial"/>
                 <a:cs typeface="Arial"/>
               </a:rPr>
@@ -4512,7 +4650,7 @@
             <a:r>
               <a:rPr sz="2000" spc="-5" dirty="0">
                 <a:solidFill>
-                  <a:srgbClr val="FF0000"/>
+                  <a:srgbClr val="0000CC"/>
                 </a:solidFill>
                 <a:latin typeface="Consolas"/>
                 <a:cs typeface="Consolas"/>
@@ -4520,9 +4658,6 @@
               <a:t>Thread</a:t>
             </a:r>
             <a:endParaRPr sz="2000" dirty="0">
-              <a:solidFill>
-                <a:srgbClr val="FF0000"/>
-              </a:solidFill>
               <a:latin typeface="Consolas"/>
               <a:cs typeface="Consolas"/>
             </a:endParaRPr>
@@ -4535,9 +4670,6 @@
             </a:pPr>
             <a:r>
               <a:rPr sz="2000" dirty="0">
-                <a:solidFill>
-                  <a:srgbClr val="FF0000"/>
-                </a:solidFill>
                 <a:latin typeface="Arial"/>
                 <a:cs typeface="Arial"/>
               </a:rPr>
@@ -4545,9 +4677,6 @@
             </a:r>
             <a:r>
               <a:rPr sz="2000" spc="-5" dirty="0">
-                <a:solidFill>
-                  <a:srgbClr val="FF0000"/>
-                </a:solidFill>
                 <a:latin typeface="Arial"/>
                 <a:cs typeface="Arial"/>
               </a:rPr>
@@ -4556,7 +4685,7 @@
             <a:r>
               <a:rPr sz="2000" spc="-5" dirty="0">
                 <a:solidFill>
-                  <a:srgbClr val="FF0000"/>
+                  <a:srgbClr val="0000CC"/>
                 </a:solidFill>
                 <a:latin typeface="Consolas"/>
                 <a:cs typeface="Consolas"/>
@@ -4566,7 +4695,7 @@
             <a:r>
               <a:rPr sz="2000" spc="-550" dirty="0">
                 <a:solidFill>
-                  <a:srgbClr val="FF0000"/>
+                  <a:srgbClr val="0000CC"/>
                 </a:solidFill>
                 <a:latin typeface="Consolas"/>
                 <a:cs typeface="Consolas"/>
@@ -4575,9 +4704,6 @@
             </a:r>
             <a:r>
               <a:rPr sz="2000" dirty="0">
-                <a:solidFill>
-                  <a:srgbClr val="FF0000"/>
-                </a:solidFill>
                 <a:latin typeface="Arial"/>
                 <a:cs typeface="Arial"/>
               </a:rPr>
@@ -4585,9 +4711,6 @@
             </a:r>
             <a:r>
               <a:rPr sz="2000" dirty="0" smtClean="0">
-                <a:solidFill>
-                  <a:srgbClr val="FF0000"/>
-                </a:solidFill>
                 <a:latin typeface="Arial"/>
                 <a:cs typeface="Arial"/>
               </a:rPr>
@@ -4595,18 +4718,12 @@
             </a:r>
             <a:r>
               <a:rPr lang="en-US" sz="2000" dirty="0" smtClean="0">
-                <a:solidFill>
-                  <a:srgbClr val="FF0000"/>
-                </a:solidFill>
                 <a:latin typeface="Arial"/>
                 <a:cs typeface="Arial"/>
               </a:rPr>
               <a:t> Why?</a:t>
             </a:r>
             <a:endParaRPr sz="2000" dirty="0">
-              <a:solidFill>
-                <a:srgbClr val="FF0000"/>
-              </a:solidFill>
               <a:latin typeface="Arial"/>
               <a:cs typeface="Arial"/>
             </a:endParaRPr>
@@ -4684,7 +4801,11 @@
           <a:lstStyle/>
           <a:p>
             <a:r>
-              <a:rPr lang="en-US" dirty="0"/>
+              <a:rPr lang="en-US" dirty="0">
+                <a:solidFill>
+                  <a:schemeClr val="accent2"/>
+                </a:solidFill>
+              </a:rPr>
               <a:t>because they are related to lock and object has a lock.</a:t>
             </a:r>
           </a:p>
@@ -4824,14 +4945,26 @@
           <a:lstStyle/>
           <a:p>
             <a:r>
-              <a:rPr lang="en-US" dirty="0"/>
+              <a:rPr lang="en-US" dirty="0">
+                <a:solidFill>
+                  <a:srgbClr val="FF0000"/>
+                </a:solidFill>
+              </a:rPr>
               <a:t>Understanding the process of inter-thread </a:t>
             </a:r>
             <a:r>
-              <a:rPr lang="en-US" dirty="0" smtClean="0"/>
+              <a:rPr lang="en-US" dirty="0" smtClean="0">
+                <a:solidFill>
+                  <a:srgbClr val="FF0000"/>
+                </a:solidFill>
+              </a:rPr>
               <a:t>communication</a:t>
             </a:r>
-            <a:endParaRPr lang="en-US" dirty="0"/>
+            <a:endParaRPr lang="en-US" dirty="0">
+              <a:solidFill>
+                <a:srgbClr val="FF0000"/>
+              </a:solidFill>
+            </a:endParaRPr>
           </a:p>
         </p:txBody>
       </p:sp>
@@ -4903,7 +5036,11 @@
               <a:buAutoNum type="arabicPeriod"/>
             </a:pPr>
             <a:r>
-              <a:rPr lang="en-US" dirty="0"/>
+              <a:rPr lang="en-US" dirty="0">
+                <a:solidFill>
+                  <a:srgbClr val="FF0000"/>
+                </a:solidFill>
+              </a:rPr>
               <a:t>Threads enter to acquire lock.</a:t>
             </a:r>
           </a:p>
@@ -4913,7 +5050,11 @@
               <a:buAutoNum type="arabicPeriod"/>
             </a:pPr>
             <a:r>
-              <a:rPr lang="en-US" dirty="0"/>
+              <a:rPr lang="en-US" dirty="0">
+                <a:solidFill>
+                  <a:srgbClr val="FF0000"/>
+                </a:solidFill>
+              </a:rPr>
               <a:t>Lock is acquired by on thread.</a:t>
             </a:r>
           </a:p>
@@ -4923,18 +5064,34 @@
               <a:buAutoNum type="arabicPeriod"/>
             </a:pPr>
             <a:r>
-              <a:rPr lang="en-US" dirty="0"/>
+              <a:rPr lang="en-US" dirty="0">
+                <a:solidFill>
+                  <a:srgbClr val="FF0000"/>
+                </a:solidFill>
+              </a:rPr>
               <a:t>Now thread goes to waiting state if you call wait() method on the object. </a:t>
             </a:r>
-            <a:endParaRPr lang="en-US" dirty="0" smtClean="0"/>
-          </a:p>
-          <a:p>
-            <a:r>
-              <a:rPr lang="en-US" dirty="0" smtClean="0"/>
+            <a:endParaRPr lang="en-US" dirty="0" smtClean="0">
+              <a:solidFill>
+                <a:srgbClr val="FF0000"/>
+              </a:solidFill>
+            </a:endParaRPr>
+          </a:p>
+          <a:p>
+            <a:r>
+              <a:rPr lang="en-US" dirty="0" smtClean="0">
+                <a:solidFill>
+                  <a:srgbClr val="FF0000"/>
+                </a:solidFill>
+              </a:rPr>
               <a:t>      Otherwise </a:t>
             </a:r>
             <a:r>
-              <a:rPr lang="en-US" dirty="0"/>
+              <a:rPr lang="en-US" dirty="0">
+                <a:solidFill>
+                  <a:srgbClr val="FF0000"/>
+                </a:solidFill>
+              </a:rPr>
               <a:t>it releases the lock and exits.</a:t>
             </a:r>
           </a:p>
@@ -4943,29 +5100,53 @@
               <a:buAutoNum type="arabicPeriod" startAt="4"/>
             </a:pPr>
             <a:r>
-              <a:rPr lang="en-US" dirty="0" smtClean="0"/>
+              <a:rPr lang="en-US" dirty="0" smtClean="0">
+                <a:solidFill>
+                  <a:srgbClr val="FF0000"/>
+                </a:solidFill>
+              </a:rPr>
               <a:t>If </a:t>
             </a:r>
             <a:r>
-              <a:rPr lang="en-US" dirty="0"/>
+              <a:rPr lang="en-US" dirty="0">
+                <a:solidFill>
+                  <a:srgbClr val="FF0000"/>
+                </a:solidFill>
+              </a:rPr>
               <a:t>you call notify() or </a:t>
             </a:r>
             <a:r>
-              <a:rPr lang="en-US" dirty="0" err="1"/>
+              <a:rPr lang="en-US" dirty="0" err="1">
+                <a:solidFill>
+                  <a:srgbClr val="FF0000"/>
+                </a:solidFill>
+              </a:rPr>
               <a:t>notifyAll</a:t>
             </a:r>
             <a:r>
-              <a:rPr lang="en-US" dirty="0"/>
+              <a:rPr lang="en-US" dirty="0">
+                <a:solidFill>
+                  <a:srgbClr val="FF0000"/>
+                </a:solidFill>
+              </a:rPr>
               <a:t>() method, thread moves to the notified state </a:t>
             </a:r>
           </a:p>
           <a:p>
             <a:r>
-              <a:rPr lang="en-US" dirty="0" smtClean="0"/>
+              <a:rPr lang="en-US" dirty="0" smtClean="0">
+                <a:solidFill>
+                  <a:srgbClr val="FF0000"/>
+                </a:solidFill>
+              </a:rPr>
               <a:t>      (</a:t>
             </a:r>
             <a:r>
-              <a:rPr lang="en-US" dirty="0"/>
+              <a:rPr lang="en-US" dirty="0">
+                <a:solidFill>
+                  <a:srgbClr val="FF0000"/>
+                </a:solidFill>
+              </a:rPr>
               <a:t>runnable state).</a:t>
             </a:r>
           </a:p>
@@ -4974,15 +5155,27 @@
               <a:buAutoNum type="arabicPeriod" startAt="5"/>
             </a:pPr>
             <a:r>
-              <a:rPr lang="en-US" dirty="0" smtClean="0"/>
+              <a:rPr lang="en-US" dirty="0" smtClean="0">
+                <a:solidFill>
+                  <a:srgbClr val="FF0000"/>
+                </a:solidFill>
+              </a:rPr>
               <a:t>Now </a:t>
             </a:r>
             <a:r>
-              <a:rPr lang="en-US" dirty="0"/>
+              <a:rPr lang="en-US" dirty="0">
+                <a:solidFill>
+                  <a:srgbClr val="FF0000"/>
+                </a:solidFill>
+              </a:rPr>
               <a:t>thread is available to acquire lock</a:t>
             </a:r>
             <a:r>
-              <a:rPr lang="en-US" dirty="0" smtClean="0"/>
+              <a:rPr lang="en-US" dirty="0" smtClean="0">
+                <a:solidFill>
+                  <a:srgbClr val="FF0000"/>
+                </a:solidFill>
+              </a:rPr>
               <a:t>.</a:t>
             </a:r>
           </a:p>
@@ -4991,26 +5184,50 @@
               <a:buAutoNum type="arabicPeriod" startAt="6"/>
             </a:pPr>
             <a:r>
-              <a:rPr lang="en-US" dirty="0" smtClean="0"/>
+              <a:rPr lang="en-US" dirty="0" smtClean="0">
+                <a:solidFill>
+                  <a:srgbClr val="FF0000"/>
+                </a:solidFill>
+              </a:rPr>
               <a:t>After </a:t>
             </a:r>
             <a:r>
-              <a:rPr lang="en-US" dirty="0"/>
+              <a:rPr lang="en-US" dirty="0">
+                <a:solidFill>
+                  <a:srgbClr val="FF0000"/>
+                </a:solidFill>
+              </a:rPr>
               <a:t>completion of the task, thread releases the lock and exits the monitor state </a:t>
             </a:r>
-            <a:endParaRPr lang="en-US" dirty="0" smtClean="0"/>
-          </a:p>
-          <a:p>
-            <a:r>
-              <a:rPr lang="en-US" dirty="0"/>
+            <a:endParaRPr lang="en-US" dirty="0" smtClean="0">
+              <a:solidFill>
+                <a:srgbClr val="FF0000"/>
+              </a:solidFill>
+            </a:endParaRPr>
+          </a:p>
+          <a:p>
+            <a:r>
+              <a:rPr lang="en-US" dirty="0">
+                <a:solidFill>
+                  <a:srgbClr val="FF0000"/>
+                </a:solidFill>
+              </a:rPr>
               <a:t> </a:t>
             </a:r>
             <a:r>
-              <a:rPr lang="en-US" dirty="0" smtClean="0"/>
+              <a:rPr lang="en-US" dirty="0" smtClean="0">
+                <a:solidFill>
+                  <a:srgbClr val="FF0000"/>
+                </a:solidFill>
+              </a:rPr>
               <a:t>     of </a:t>
             </a:r>
             <a:r>
-              <a:rPr lang="en-US" dirty="0"/>
+              <a:rPr lang="en-US" dirty="0">
+                <a:solidFill>
+                  <a:srgbClr val="FF0000"/>
+                </a:solidFill>
+              </a:rPr>
               <a:t>the object.</a:t>
             </a:r>
           </a:p>
@@ -5065,7 +5282,7 @@
           <p:nvPr>
             <p:extLst>
               <p:ext uri="{D42A27DB-BD31-4B8C-83A1-F6EECF244321}">
-                <p14:modId xmlns:p14="http://schemas.microsoft.com/office/powerpoint/2010/main" val="32103635"/>
+                <p14:modId xmlns:p14="http://schemas.microsoft.com/office/powerpoint/2010/main" val="86575658"/>
               </p:ext>
             </p:extLst>
           </p:nvPr>
@@ -5092,10 +5309,18 @@
                     <a:p>
                       <a:pPr algn="ctr"/>
                       <a:r>
-                        <a:rPr lang="en-US" dirty="0" smtClean="0"/>
+                        <a:rPr lang="en-US" dirty="0" smtClean="0">
+                          <a:solidFill>
+                            <a:schemeClr val="accent2"/>
+                          </a:solidFill>
+                        </a:rPr>
                         <a:t>wait()</a:t>
                       </a:r>
-                      <a:endParaRPr lang="en-US" dirty="0"/>
+                      <a:endParaRPr lang="en-US" dirty="0">
+                        <a:solidFill>
+                          <a:schemeClr val="accent2"/>
+                        </a:solidFill>
+                      </a:endParaRPr>
                     </a:p>
                   </a:txBody>
                   <a:tcPr/>
@@ -5107,10 +5332,18 @@
                     <a:p>
                       <a:pPr algn="ctr"/>
                       <a:r>
-                        <a:rPr lang="en-US" dirty="0" smtClean="0"/>
+                        <a:rPr lang="en-US" dirty="0" smtClean="0">
+                          <a:solidFill>
+                            <a:schemeClr val="accent2"/>
+                          </a:solidFill>
+                        </a:rPr>
                         <a:t>sleep()</a:t>
                       </a:r>
-                      <a:endParaRPr lang="en-US" dirty="0"/>
+                      <a:endParaRPr lang="en-US" dirty="0">
+                        <a:solidFill>
+                          <a:schemeClr val="accent2"/>
+                        </a:solidFill>
+                      </a:endParaRPr>
                     </a:p>
                   </a:txBody>
                   <a:tcPr/>
@@ -5137,7 +5370,7 @@
                       <a:r>
                         <a:rPr lang="en-US" b="0" i="0" dirty="0" smtClean="0">
                           <a:solidFill>
-                            <a:srgbClr val="FF0000"/>
+                            <a:schemeClr val="accent2"/>
                           </a:solidFill>
                           <a:effectLst/>
                           <a:latin typeface="+mn-lt"/>
@@ -5148,7 +5381,7 @@
                       </a:r>
                       <a:endParaRPr lang="en-US" dirty="0">
                         <a:solidFill>
-                          <a:srgbClr val="FF0000"/>
+                          <a:schemeClr val="accent2"/>
                         </a:solidFill>
                       </a:endParaRPr>
                     </a:p>
@@ -5170,31 +5403,7 @@
                           <a:ea typeface="+mn-ea"/>
                           <a:cs typeface="+mn-cs"/>
                         </a:rPr>
-                        <a:t>sleep() method doesn't </a:t>
-                      </a:r>
-                      <a:r>
-                        <a:rPr lang="en-US" b="0" i="0" dirty="0" smtClean="0">
-                          <a:solidFill>
-                            <a:srgbClr val="FF0000"/>
-                          </a:solidFill>
-                          <a:effectLst/>
-                          <a:latin typeface="+mn-lt"/>
-                          <a:ea typeface="+mn-ea"/>
-                          <a:cs typeface="+mn-cs"/>
-                        </a:rPr>
-                        <a:t>release the lock</a:t>
-                      </a:r>
-                      <a:r>
-                        <a:rPr lang="en-US" b="0" i="0" dirty="0" smtClean="0">
-                          <a:solidFill>
-                            <a:schemeClr val="tx1"/>
-                          </a:solidFill>
-                          <a:effectLst/>
-                          <a:latin typeface="+mn-lt"/>
-                          <a:ea typeface="+mn-ea"/>
-                          <a:cs typeface="+mn-cs"/>
-                        </a:rPr>
-                        <a:t>.</a:t>
+                        <a:t>sleep() method doesn't release the lock.</a:t>
                       </a:r>
                       <a:endParaRPr lang="en-US" dirty="0"/>
                     </a:p>
@@ -5491,7 +5700,7 @@
         <p:spPr>
           <a:xfrm>
             <a:off x="377824" y="1310636"/>
-            <a:ext cx="8524875" cy="4692015"/>
+            <a:ext cx="8524875" cy="4776051"/>
           </a:xfrm>
           <a:prstGeom prst="rect">
             <a:avLst/>
@@ -5559,7 +5768,7 @@
               </a:rPr>
               <a:t>execution</a:t>
             </a:r>
-            <a:endParaRPr sz="2000">
+            <a:endParaRPr sz="2000" dirty="0">
               <a:latin typeface="Arial"/>
               <a:cs typeface="Arial"/>
             </a:endParaRPr>
@@ -5573,7 +5782,7 @@
                 <a:spcPts val="50"/>
               </a:spcBef>
             </a:pPr>
-            <a:endParaRPr sz="2050">
+            <a:endParaRPr sz="2050" dirty="0">
               <a:latin typeface="Times New Roman"/>
               <a:cs typeface="Times New Roman"/>
             </a:endParaRPr>
@@ -5614,7 +5823,7 @@
               </a:rPr>
               <a:t>{</a:t>
             </a:r>
-            <a:endParaRPr sz="1800">
+            <a:endParaRPr sz="1800" dirty="0">
               <a:latin typeface="Consolas"/>
               <a:cs typeface="Consolas"/>
             </a:endParaRPr>
@@ -5628,7 +5837,7 @@
                 <a:spcPts val="10"/>
               </a:spcBef>
             </a:pPr>
-            <a:endParaRPr sz="1450">
+            <a:endParaRPr sz="1450" dirty="0">
               <a:latin typeface="Times New Roman"/>
               <a:cs typeface="Times New Roman"/>
             </a:endParaRPr>
@@ -5650,29 +5859,49 @@
                 <a:latin typeface="Consolas"/>
                 <a:cs typeface="Consolas"/>
               </a:rPr>
-              <a:t>// This guard only loops once for each special</a:t>
-            </a:r>
-            <a:r>
-              <a:rPr sz="1400" b="1" spc="-20" dirty="0">
-                <a:solidFill>
-                  <a:srgbClr val="0000CC"/>
+              <a:t>// </a:t>
+            </a:r>
+            <a:r>
+              <a:rPr sz="1400" b="1" spc="-5" dirty="0">
+                <a:solidFill>
+                  <a:srgbClr val="FF0000"/>
                 </a:solidFill>
                 <a:latin typeface="Consolas"/>
                 <a:cs typeface="Consolas"/>
               </a:rPr>
-              <a:t> </a:t>
-            </a:r>
-            <a:r>
-              <a:rPr sz="1400" b="1" spc="-5" dirty="0">
-                <a:solidFill>
-                  <a:srgbClr val="0000CC"/>
+              <a:t>This guard only loops once for each special</a:t>
+            </a:r>
+            <a:r>
+              <a:rPr sz="1400" b="1" spc="-20" dirty="0">
+                <a:solidFill>
+                  <a:srgbClr val="FF0000"/>
                 </a:solidFill>
                 <a:latin typeface="Consolas"/>
                 <a:cs typeface="Consolas"/>
               </a:rPr>
-              <a:t>event,</a:t>
-            </a:r>
-            <a:endParaRPr sz="1400">
+              <a:t> </a:t>
+            </a:r>
+            <a:r>
+              <a:rPr sz="1400" b="1" spc="-5" dirty="0">
+                <a:solidFill>
+                  <a:srgbClr val="FF0000"/>
+                </a:solidFill>
+                <a:latin typeface="Consolas"/>
+                <a:cs typeface="Consolas"/>
+              </a:rPr>
+              <a:t>event</a:t>
+            </a:r>
+            <a:r>
+              <a:rPr sz="1400" b="1" spc="-5" dirty="0">
+                <a:solidFill>
+                  <a:srgbClr val="0000CC"/>
+                </a:solidFill>
+                <a:latin typeface="Consolas"/>
+                <a:cs typeface="Consolas"/>
+              </a:rPr>
+              <a:t>,</a:t>
+            </a:r>
+            <a:endParaRPr sz="1400" dirty="0">
               <a:latin typeface="Consolas"/>
               <a:cs typeface="Consolas"/>
             </a:endParaRPr>
@@ -5713,7 +5942,7 @@
               </a:rPr>
               <a:t>for.</a:t>
             </a:r>
-            <a:endParaRPr sz="1400">
+            <a:endParaRPr sz="1400" dirty="0">
               <a:latin typeface="Consolas"/>
               <a:cs typeface="Consolas"/>
             </a:endParaRPr>
@@ -5727,7 +5956,7 @@
                 <a:spcPts val="35"/>
               </a:spcBef>
             </a:pPr>
-            <a:endParaRPr sz="1350">
+            <a:endParaRPr sz="1350" dirty="0">
               <a:latin typeface="Times New Roman"/>
               <a:cs typeface="Times New Roman"/>
             </a:endParaRPr>
@@ -5798,7 +6027,7 @@
               </a:rPr>
               <a:t>{</a:t>
             </a:r>
-            <a:endParaRPr sz="1800">
+            <a:endParaRPr sz="1800" dirty="0">
               <a:latin typeface="Consolas"/>
               <a:cs typeface="Consolas"/>
             </a:endParaRPr>
@@ -5822,7 +6051,7 @@
               </a:rPr>
               <a:t>wait();</a:t>
             </a:r>
-            <a:endParaRPr sz="1800">
+            <a:endParaRPr sz="1800" dirty="0">
               <a:latin typeface="Consolas"/>
               <a:cs typeface="Consolas"/>
             </a:endParaRPr>
@@ -5876,7 +6105,7 @@
               </a:rPr>
               <a:t>{}</a:t>
             </a:r>
-            <a:endParaRPr sz="1800">
+            <a:endParaRPr sz="1800" dirty="0">
               <a:latin typeface="Consolas"/>
               <a:cs typeface="Consolas"/>
             </a:endParaRPr>
@@ -5900,7 +6129,7 @@
               </a:rPr>
               <a:t>}</a:t>
             </a:r>
-            <a:endParaRPr sz="1800">
+            <a:endParaRPr sz="1800" dirty="0">
               <a:latin typeface="Consolas"/>
               <a:cs typeface="Consolas"/>
             </a:endParaRPr>
@@ -5914,7 +6143,7 @@
                 <a:spcPts val="5"/>
               </a:spcBef>
             </a:pPr>
-            <a:endParaRPr sz="1900">
+            <a:endParaRPr sz="1900" dirty="0">
               <a:latin typeface="Times New Roman"/>
               <a:cs typeface="Times New Roman"/>
             </a:endParaRPr>
@@ -5955,7 +6184,7 @@
               </a:rPr>
               <a:t>received!");</a:t>
             </a:r>
-            <a:endParaRPr sz="1800">
+            <a:endParaRPr sz="1800" dirty="0">
               <a:latin typeface="Consolas"/>
               <a:cs typeface="Consolas"/>
             </a:endParaRPr>
@@ -5979,7 +6208,7 @@
               </a:rPr>
               <a:t>}</a:t>
             </a:r>
-            <a:endParaRPr sz="1400">
+            <a:endParaRPr sz="1400" dirty="0">
               <a:latin typeface="Consolas"/>
               <a:cs typeface="Consolas"/>
             </a:endParaRPr>
@@ -5993,7 +6222,7 @@
                 <a:spcPts val="5"/>
               </a:spcBef>
             </a:pPr>
-            <a:endParaRPr sz="1650">
+            <a:endParaRPr sz="1650" dirty="0">
               <a:latin typeface="Times New Roman"/>
               <a:cs typeface="Times New Roman"/>
             </a:endParaRPr>
@@ -6025,7 +6254,7 @@
               </a:rPr>
               <a:t>note:</a:t>
             </a:r>
-            <a:endParaRPr sz="1800">
+            <a:endParaRPr sz="1800" dirty="0">
               <a:latin typeface="Arial"/>
               <a:cs typeface="Arial"/>
             </a:endParaRPr>
@@ -6101,7 +6330,7 @@
               </a:rPr>
               <a:t>being waited for.</a:t>
             </a:r>
-            <a:endParaRPr sz="1800">
+            <a:endParaRPr sz="1800" dirty="0">
               <a:latin typeface="Arial"/>
               <a:cs typeface="Arial"/>
             </a:endParaRPr>
@@ -6388,7 +6617,7 @@
               </a:rPr>
               <a:t>happened</a:t>
             </a:r>
-            <a:endParaRPr sz="2000">
+            <a:endParaRPr sz="2000" dirty="0">
               <a:latin typeface="Arial"/>
               <a:cs typeface="Arial"/>
             </a:endParaRPr>
@@ -6399,7 +6628,7 @@
                 <a:spcPct val="100000"/>
               </a:lnSpc>
             </a:pPr>
-            <a:endParaRPr sz="2200">
+            <a:endParaRPr sz="2200" dirty="0">
               <a:latin typeface="Times New Roman"/>
               <a:cs typeface="Times New Roman"/>
             </a:endParaRPr>
@@ -6413,7 +6642,7 @@
                 <a:spcPts val="15"/>
               </a:spcBef>
             </a:pPr>
-            <a:endParaRPr sz="2050">
+            <a:endParaRPr sz="2050" dirty="0">
               <a:latin typeface="Times New Roman"/>
               <a:cs typeface="Times New Roman"/>
             </a:endParaRPr>
@@ -6494,7 +6723,7 @@
               </a:rPr>
               <a:t>true;</a:t>
             </a:r>
-            <a:endParaRPr sz="2400">
+            <a:endParaRPr sz="2400" dirty="0">
               <a:latin typeface="Consolas"/>
               <a:cs typeface="Consolas"/>
             </a:endParaRPr>
@@ -6515,7 +6744,7 @@
               </a:rPr>
               <a:t>notifyAll();</a:t>
             </a:r>
-            <a:endParaRPr sz="2400">
+            <a:endParaRPr sz="2400" dirty="0">
               <a:latin typeface="Consolas"/>
               <a:cs typeface="Consolas"/>
             </a:endParaRPr>
@@ -6536,7 +6765,7 @@
               </a:rPr>
               <a:t>}</a:t>
             </a:r>
-            <a:endParaRPr sz="2400">
+            <a:endParaRPr sz="2400" dirty="0">
               <a:latin typeface="Consolas"/>
               <a:cs typeface="Consolas"/>
             </a:endParaRPr>
@@ -6550,7 +6779,7 @@
                 <a:spcPts val="40"/>
               </a:spcBef>
             </a:pPr>
-            <a:endParaRPr sz="3350">
+            <a:endParaRPr sz="3350" dirty="0">
               <a:latin typeface="Times New Roman"/>
               <a:cs typeface="Times New Roman"/>
             </a:endParaRPr>
@@ -6582,7 +6811,7 @@
               </a:rPr>
               <a:t>note:</a:t>
             </a:r>
-            <a:endParaRPr sz="1800">
+            <a:endParaRPr sz="1800" dirty="0">
               <a:latin typeface="Arial"/>
               <a:cs typeface="Arial"/>
             </a:endParaRPr>
@@ -6717,7 +6946,7 @@
               </a:rPr>
               <a:t>up.</a:t>
             </a:r>
-            <a:endParaRPr sz="1800">
+            <a:endParaRPr sz="1800" dirty="0">
               <a:latin typeface="Arial"/>
               <a:cs typeface="Arial"/>
             </a:endParaRPr>
@@ -6731,7 +6960,7 @@
                 <a:spcPts val="10"/>
               </a:spcBef>
             </a:pPr>
-            <a:endParaRPr sz="1900">
+            <a:endParaRPr sz="1900" dirty="0">
               <a:latin typeface="Times New Roman"/>
               <a:cs typeface="Times New Roman"/>
             </a:endParaRPr>
@@ -6763,7 +6992,7 @@
               </a:rPr>
               <a:t>example.</a:t>
             </a:r>
-            <a:endParaRPr sz="1800">
+            <a:endParaRPr sz="1800" dirty="0">
               <a:latin typeface="Arial"/>
               <a:cs typeface="Arial"/>
             </a:endParaRPr>
